--- a/TRANSITS_Legal_Module-7.pptx
+++ b/TRANSITS_Legal_Module-7.pptx
@@ -28106,7 +28106,7 @@
           <a:p>
             <a:fld id="{E41D8A83-A817-41E3-A602-3B517E18334E}" type="datetimeFigureOut">
               <a:rPr lang="en-GB" smtClean="0"/>
-              <a:t>14/01/2019</a:t>
+              <a:t>20/01/2019</a:t>
             </a:fld>
             <a:endParaRPr lang="en-GB"/>
           </a:p>
@@ -35680,10 +35680,10 @@
       </p:sp>
       <p:pic>
         <p:nvPicPr>
-          <p:cNvPr id="5" name="Picture 4">
+          <p:cNvPr id="7" name="Picture 6">
             <a:extLst>
               <a:ext uri="{FF2B5EF4-FFF2-40B4-BE49-F238E27FC236}">
-                <a16:creationId xmlns:a16="http://schemas.microsoft.com/office/drawing/2014/main" id="{0479818C-D84A-9344-907A-8E0F81C36ABC}"/>
+                <a16:creationId xmlns:a16="http://schemas.microsoft.com/office/drawing/2014/main" id="{22AE9984-CB6B-B247-93FF-512D9145E821}"/>
               </a:ext>
             </a:extLst>
           </p:cNvPr>
@@ -35692,15 +35692,22 @@
           </p:cNvPicPr>
           <p:nvPr/>
         </p:nvPicPr>
-        <p:blipFill rotWithShape="1">
-          <a:blip r:embed="rId3"/>
-          <a:srcRect l="17080" t="16693" r="15317"/>
-          <a:stretch/>
+        <p:blipFill>
+          <a:blip r:embed="rId3">
+            <a:extLst>
+              <a:ext uri="{28A0092B-C50C-407E-A947-70E740481C1C}">
+                <a14:useLocalDpi xmlns:a14="http://schemas.microsoft.com/office/drawing/2010/main" val="0"/>
+              </a:ext>
+            </a:extLst>
+          </a:blip>
+          <a:stretch>
+            <a:fillRect/>
+          </a:stretch>
         </p:blipFill>
         <p:spPr>
           <a:xfrm>
-            <a:off x="598579" y="1757958"/>
-            <a:ext cx="2797764" cy="2281663"/>
+            <a:off x="414393" y="1608751"/>
+            <a:ext cx="3154538" cy="2571750"/>
           </a:xfrm>
           <a:prstGeom prst="rect">
             <a:avLst/>
@@ -40706,56 +40713,6 @@
 </file>
 
 <file path=customXml/item1.xml><?xml version="1.0" encoding="utf-8"?>
-<?mso-contentType ?>
-<spe:Receivers xmlns:spe="http://schemas.microsoft.com/sharepoint/events">
-  <Receiver>
-    <Name>Document ID Generator</Name>
-    <Synchronization>Synchronous</Synchronization>
-    <Type>10001</Type>
-    <SequenceNumber>1000</SequenceNumber>
-    <Url/>
-    <Assembly>Microsoft.Office.DocumentManagement, Version=15.0.0.0, Culture=neutral, PublicKeyToken=71e9bce111e9429c</Assembly>
-    <Class>Microsoft.Office.DocumentManagement.Internal.DocIdHandler</Class>
-    <Data/>
-    <Filter/>
-  </Receiver>
-  <Receiver>
-    <Name>Document ID Generator</Name>
-    <Synchronization>Synchronous</Synchronization>
-    <Type>10002</Type>
-    <SequenceNumber>1001</SequenceNumber>
-    <Url/>
-    <Assembly>Microsoft.Office.DocumentManagement, Version=15.0.0.0, Culture=neutral, PublicKeyToken=71e9bce111e9429c</Assembly>
-    <Class>Microsoft.Office.DocumentManagement.Internal.DocIdHandler</Class>
-    <Data/>
-    <Filter/>
-  </Receiver>
-  <Receiver>
-    <Name>Document ID Generator</Name>
-    <Synchronization>Synchronous</Synchronization>
-    <Type>10004</Type>
-    <SequenceNumber>1002</SequenceNumber>
-    <Url/>
-    <Assembly>Microsoft.Office.DocumentManagement, Version=15.0.0.0, Culture=neutral, PublicKeyToken=71e9bce111e9429c</Assembly>
-    <Class>Microsoft.Office.DocumentManagement.Internal.DocIdHandler</Class>
-    <Data/>
-    <Filter/>
-  </Receiver>
-  <Receiver>
-    <Name>Document ID Generator</Name>
-    <Synchronization>Synchronous</Synchronization>
-    <Type>10006</Type>
-    <SequenceNumber>1003</SequenceNumber>
-    <Url/>
-    <Assembly>Microsoft.Office.DocumentManagement, Version=15.0.0.0, Culture=neutral, PublicKeyToken=71e9bce111e9429c</Assembly>
-    <Class>Microsoft.Office.DocumentManagement.Internal.DocIdHandler</Class>
-    <Data/>
-    <Filter/>
-  </Receiver>
-</spe:Receivers>
-</file>
-
-<file path=customXml/item2.xml><?xml version="1.0" encoding="utf-8"?>
 <ct:contentTypeSchema xmlns:ct="http://schemas.microsoft.com/office/2006/metadata/contentType" xmlns:ma="http://schemas.microsoft.com/office/2006/metadata/properties/metaAttributes" ct:_="" ma:_="" ma:contentTypeName="Document" ma:contentTypeID="0x010100EFC14C35B6BD02428EFDFCF6B38DCCFF" ma:contentTypeVersion="3" ma:contentTypeDescription="Create a new document." ma:contentTypeScope="" ma:versionID="cb80918fe4a605eb18370ba55c5d957b">
   <xsd:schema xmlns:xsd="http://www.w3.org/2001/XMLSchema" xmlns:xs="http://www.w3.org/2001/XMLSchema" xmlns:p="http://schemas.microsoft.com/office/2006/metadata/properties" xmlns:ns1="http://schemas.microsoft.com/sharepoint/v3" xmlns:ns2="e7019c98-23ef-46f8-8434-cfd3a3bc7393" targetNamespace="http://schemas.microsoft.com/office/2006/metadata/properties" ma:root="true" ma:fieldsID="19d4d48c21c094bbdb8e7cf95f595ca6" ns1:_="" ns2:_="">
     <xsd:import namespace="http://schemas.microsoft.com/sharepoint/v3"/>
@@ -40917,7 +40874,66 @@
 </ct:contentTypeSchema>
 </file>
 
+<file path=customXml/item2.xml><?xml version="1.0" encoding="utf-8"?>
+<?mso-contentType ?>
+<spe:Receivers xmlns:spe="http://schemas.microsoft.com/sharepoint/events">
+  <Receiver>
+    <Name>Document ID Generator</Name>
+    <Synchronization>Synchronous</Synchronization>
+    <Type>10001</Type>
+    <SequenceNumber>1000</SequenceNumber>
+    <Url/>
+    <Assembly>Microsoft.Office.DocumentManagement, Version=15.0.0.0, Culture=neutral, PublicKeyToken=71e9bce111e9429c</Assembly>
+    <Class>Microsoft.Office.DocumentManagement.Internal.DocIdHandler</Class>
+    <Data/>
+    <Filter/>
+  </Receiver>
+  <Receiver>
+    <Name>Document ID Generator</Name>
+    <Synchronization>Synchronous</Synchronization>
+    <Type>10002</Type>
+    <SequenceNumber>1001</SequenceNumber>
+    <Url/>
+    <Assembly>Microsoft.Office.DocumentManagement, Version=15.0.0.0, Culture=neutral, PublicKeyToken=71e9bce111e9429c</Assembly>
+    <Class>Microsoft.Office.DocumentManagement.Internal.DocIdHandler</Class>
+    <Data/>
+    <Filter/>
+  </Receiver>
+  <Receiver>
+    <Name>Document ID Generator</Name>
+    <Synchronization>Synchronous</Synchronization>
+    <Type>10004</Type>
+    <SequenceNumber>1002</SequenceNumber>
+    <Url/>
+    <Assembly>Microsoft.Office.DocumentManagement, Version=15.0.0.0, Culture=neutral, PublicKeyToken=71e9bce111e9429c</Assembly>
+    <Class>Microsoft.Office.DocumentManagement.Internal.DocIdHandler</Class>
+    <Data/>
+    <Filter/>
+  </Receiver>
+  <Receiver>
+    <Name>Document ID Generator</Name>
+    <Synchronization>Synchronous</Synchronization>
+    <Type>10006</Type>
+    <SequenceNumber>1003</SequenceNumber>
+    <Url/>
+    <Assembly>Microsoft.Office.DocumentManagement, Version=15.0.0.0, Culture=neutral, PublicKeyToken=71e9bce111e9429c</Assembly>
+    <Class>Microsoft.Office.DocumentManagement.Internal.DocIdHandler</Class>
+    <Data/>
+    <Filter/>
+  </Receiver>
+</spe:Receivers>
+</file>
+
 <file path=customXml/item3.xml><?xml version="1.0" encoding="utf-8"?>
+<?mso-contentType ?>
+<FormTemplates xmlns="http://schemas.microsoft.com/sharepoint/v3/contenttype/forms">
+  <Display>DocumentLibraryForm</Display>
+  <Edit>DocumentLibraryForm</Edit>
+  <New>DocumentLibraryForm</New>
+</FormTemplates>
+</file>
+
+<file path=customXml/item4.xml><?xml version="1.0" encoding="utf-8"?>
 <p:properties xmlns:p="http://schemas.microsoft.com/office/2006/metadata/properties" xmlns:xsi="http://www.w3.org/2001/XMLSchema-instance" xmlns:pc="http://schemas.microsoft.com/office/infopath/2007/PartnerControls">
   <documentManagement>
     <PublishingExpirationDate xmlns="http://schemas.microsoft.com/sharepoint/v3" xsi:nil="true"/>
@@ -40931,24 +40947,7 @@
 </p:properties>
 </file>
 
-<file path=customXml/item4.xml><?xml version="1.0" encoding="utf-8"?>
-<?mso-contentType ?>
-<FormTemplates xmlns="http://schemas.microsoft.com/sharepoint/v3/contenttype/forms">
-  <Display>DocumentLibraryForm</Display>
-  <Edit>DocumentLibraryForm</Edit>
-  <New>DocumentLibraryForm</New>
-</FormTemplates>
-</file>
-
 <file path=customXml/itemProps1.xml><?xml version="1.0" encoding="utf-8"?>
-<ds:datastoreItem xmlns:ds="http://schemas.openxmlformats.org/officeDocument/2006/customXml" ds:itemID="{754E8D75-8AF6-4906-9862-16846F3CF792}">
-  <ds:schemaRefs>
-    <ds:schemaRef ds:uri="http://schemas.microsoft.com/sharepoint/events"/>
-  </ds:schemaRefs>
-</ds:datastoreItem>
-</file>
-
-<file path=customXml/itemProps2.xml><?xml version="1.0" encoding="utf-8"?>
 <ds:datastoreItem xmlns:ds="http://schemas.openxmlformats.org/officeDocument/2006/customXml" ds:itemID="{F2E35BE0-4019-4082-B1C6-2E4ACDDEA26A}">
   <ds:schemaRefs>
     <ds:schemaRef ds:uri="http://schemas.microsoft.com/office/2006/metadata/contentType"/>
@@ -40967,7 +40966,23 @@
 </ds:datastoreItem>
 </file>
 
+<file path=customXml/itemProps2.xml><?xml version="1.0" encoding="utf-8"?>
+<ds:datastoreItem xmlns:ds="http://schemas.openxmlformats.org/officeDocument/2006/customXml" ds:itemID="{754E8D75-8AF6-4906-9862-16846F3CF792}">
+  <ds:schemaRefs>
+    <ds:schemaRef ds:uri="http://schemas.microsoft.com/sharepoint/events"/>
+  </ds:schemaRefs>
+</ds:datastoreItem>
+</file>
+
 <file path=customXml/itemProps3.xml><?xml version="1.0" encoding="utf-8"?>
+<ds:datastoreItem xmlns:ds="http://schemas.openxmlformats.org/officeDocument/2006/customXml" ds:itemID="{22C07721-32FF-48B6-9D36-E09F4CC3A69A}">
+  <ds:schemaRefs>
+    <ds:schemaRef ds:uri="http://schemas.microsoft.com/sharepoint/v3/contenttype/forms"/>
+  </ds:schemaRefs>
+</ds:datastoreItem>
+</file>
+
+<file path=customXml/itemProps4.xml><?xml version="1.0" encoding="utf-8"?>
 <ds:datastoreItem xmlns:ds="http://schemas.openxmlformats.org/officeDocument/2006/customXml" ds:itemID="{59AA3960-760A-4B61-8C8B-DBF90F37C8C8}">
   <ds:schemaRefs>
     <ds:schemaRef ds:uri="http://schemas.microsoft.com/office/2006/metadata/properties"/>
@@ -40982,12 +40997,4 @@
     <ds:schemaRef ds:uri="http://purl.org/dc/dcmitype/"/>
   </ds:schemaRefs>
 </ds:datastoreItem>
-</file>
-
-<file path=customXml/itemProps4.xml><?xml version="1.0" encoding="utf-8"?>
-<ds:datastoreItem xmlns:ds="http://schemas.openxmlformats.org/officeDocument/2006/customXml" ds:itemID="{22C07721-32FF-48B6-9D36-E09F4CC3A69A}">
-  <ds:schemaRefs>
-    <ds:schemaRef ds:uri="http://schemas.microsoft.com/sharepoint/v3/contenttype/forms"/>
-  </ds:schemaRefs>
-</ds:datastoreItem>
 </file>